--- a/CalendarioAgo24/presentaciones/16_POO_Herencia.pptx
+++ b/CalendarioAgo24/presentaciones/16_POO_Herencia.pptx
@@ -225,7 +225,7 @@
           <a:p>
             <a:fld id="{DDE721D5-655F-45D2-B717-3C4CD78C8568}" type="datetimeFigureOut">
               <a:rPr lang="es-MX" smtClean="0"/>
-              <a:t>03/03/2024</a:t>
+              <a:t>26/08/2024</a:t>
             </a:fld>
             <a:endParaRPr lang="es-MX" dirty="0"/>
           </a:p>
@@ -674,7 +674,7 @@
           <a:p>
             <a:fld id="{B3F3E716-CACC-4490-AD07-F24B6A68DE47}" type="datetimeFigureOut">
               <a:rPr lang="es-MX" smtClean="0"/>
-              <a:t>03/03/2024</a:t>
+              <a:t>26/08/2024</a:t>
             </a:fld>
             <a:endParaRPr lang="es-MX" dirty="0"/>
           </a:p>
@@ -844,7 +844,7 @@
           <a:p>
             <a:fld id="{B3F3E716-CACC-4490-AD07-F24B6A68DE47}" type="datetimeFigureOut">
               <a:rPr lang="es-MX" smtClean="0"/>
-              <a:t>03/03/2024</a:t>
+              <a:t>26/08/2024</a:t>
             </a:fld>
             <a:endParaRPr lang="es-MX" dirty="0"/>
           </a:p>
@@ -1024,7 +1024,7 @@
           <a:p>
             <a:fld id="{B3F3E716-CACC-4490-AD07-F24B6A68DE47}" type="datetimeFigureOut">
               <a:rPr lang="es-MX" smtClean="0"/>
-              <a:t>03/03/2024</a:t>
+              <a:t>26/08/2024</a:t>
             </a:fld>
             <a:endParaRPr lang="es-MX" dirty="0"/>
           </a:p>
@@ -1177,7 +1177,7 @@
           <a:p>
             <a:fld id="{1D8BD707-D9CF-40AE-B4C6-C98DA3205C09}" type="datetimeFigureOut">
               <a:rPr lang="en-US" smtClean="0"/>
-              <a:t>3/3/2024</a:t>
+              <a:t>8/26/2024</a:t>
             </a:fld>
             <a:endParaRPr lang="en-US" dirty="0"/>
           </a:p>
@@ -1634,7 +1634,7 @@
           <a:p>
             <a:fld id="{B3F3E716-CACC-4490-AD07-F24B6A68DE47}" type="datetimeFigureOut">
               <a:rPr lang="es-MX" smtClean="0"/>
-              <a:t>03/03/2024</a:t>
+              <a:t>26/08/2024</a:t>
             </a:fld>
             <a:endParaRPr lang="es-MX" dirty="0"/>
           </a:p>
@@ -1880,7 +1880,7 @@
           <a:p>
             <a:fld id="{B3F3E716-CACC-4490-AD07-F24B6A68DE47}" type="datetimeFigureOut">
               <a:rPr lang="es-MX" smtClean="0"/>
-              <a:t>03/03/2024</a:t>
+              <a:t>26/08/2024</a:t>
             </a:fld>
             <a:endParaRPr lang="es-MX" dirty="0"/>
           </a:p>
@@ -2168,7 +2168,7 @@
           <a:p>
             <a:fld id="{B3F3E716-CACC-4490-AD07-F24B6A68DE47}" type="datetimeFigureOut">
               <a:rPr lang="es-MX" smtClean="0"/>
-              <a:t>03/03/2024</a:t>
+              <a:t>26/08/2024</a:t>
             </a:fld>
             <a:endParaRPr lang="es-MX" dirty="0"/>
           </a:p>
@@ -2590,7 +2590,7 @@
           <a:p>
             <a:fld id="{B3F3E716-CACC-4490-AD07-F24B6A68DE47}" type="datetimeFigureOut">
               <a:rPr lang="es-MX" smtClean="0"/>
-              <a:t>03/03/2024</a:t>
+              <a:t>26/08/2024</a:t>
             </a:fld>
             <a:endParaRPr lang="es-MX" dirty="0"/>
           </a:p>
@@ -2708,7 +2708,7 @@
           <a:p>
             <a:fld id="{B3F3E716-CACC-4490-AD07-F24B6A68DE47}" type="datetimeFigureOut">
               <a:rPr lang="es-MX" smtClean="0"/>
-              <a:t>03/03/2024</a:t>
+              <a:t>26/08/2024</a:t>
             </a:fld>
             <a:endParaRPr lang="es-MX" dirty="0"/>
           </a:p>
@@ -2803,7 +2803,7 @@
           <a:p>
             <a:fld id="{B3F3E716-CACC-4490-AD07-F24B6A68DE47}" type="datetimeFigureOut">
               <a:rPr lang="es-MX" smtClean="0"/>
-              <a:t>03/03/2024</a:t>
+              <a:t>26/08/2024</a:t>
             </a:fld>
             <a:endParaRPr lang="es-MX" dirty="0"/>
           </a:p>
@@ -3080,7 +3080,7 @@
           <a:p>
             <a:fld id="{B3F3E716-CACC-4490-AD07-F24B6A68DE47}" type="datetimeFigureOut">
               <a:rPr lang="es-MX" smtClean="0"/>
-              <a:t>03/03/2024</a:t>
+              <a:t>26/08/2024</a:t>
             </a:fld>
             <a:endParaRPr lang="es-MX" dirty="0"/>
           </a:p>
@@ -3333,7 +3333,7 @@
           <a:p>
             <a:fld id="{B3F3E716-CACC-4490-AD07-F24B6A68DE47}" type="datetimeFigureOut">
               <a:rPr lang="es-MX" smtClean="0"/>
-              <a:t>03/03/2024</a:t>
+              <a:t>26/08/2024</a:t>
             </a:fld>
             <a:endParaRPr lang="es-MX" dirty="0"/>
           </a:p>
@@ -3546,7 +3546,7 @@
           <a:p>
             <a:fld id="{B3F3E716-CACC-4490-AD07-F24B6A68DE47}" type="datetimeFigureOut">
               <a:rPr lang="es-MX" smtClean="0"/>
-              <a:t>03/03/2024</a:t>
+              <a:t>26/08/2024</a:t>
             </a:fld>
             <a:endParaRPr lang="es-MX" dirty="0"/>
           </a:p>
@@ -5014,29 +5014,7 @@
                 </a:solidFill>
                 <a:latin typeface="Dom Casual" charset="0"/>
               </a:rPr>
-              <a:t> que regrese en un </a:t>
-            </a:r>
-            <a:r>
-              <a:rPr lang="es-ES" altLang="es-MX" sz="1600" dirty="0" err="1">
-                <a:solidFill>
-                  <a:schemeClr val="bg2">
-                    <a:lumMod val="10000"/>
-                  </a:schemeClr>
-                </a:solidFill>
-                <a:latin typeface="Dom Casual" charset="0"/>
-              </a:rPr>
-              <a:t>string</a:t>
-            </a:r>
-            <a:r>
-              <a:rPr lang="es-ES" altLang="es-MX" sz="1600" dirty="0">
-                <a:solidFill>
-                  <a:schemeClr val="bg2">
-                    <a:lumMod val="10000"/>
-                  </a:schemeClr>
-                </a:solidFill>
-                <a:latin typeface="Dom Casual" charset="0"/>
-              </a:rPr>
-              <a:t> la concatenación de los atributos de instancia (color, aceleración y velocidad) y el atributo de clase (ruedas).</a:t>
+              <a:t> que regrese en un string la concatenación de los atributos de instancia (color, aceleración y velocidad) y el atributo de clase (ruedas).</a:t>
             </a:r>
             <a:r>
               <a:rPr lang="es-ES_tradnl" altLang="es-MX" sz="1600" dirty="0">
@@ -5367,7 +5345,7 @@
               <a:t>Define la clase </a:t>
             </a:r>
             <a:r>
-              <a:rPr lang="es-ES" altLang="es-MX" sz="1600" b="1" dirty="0" err="1">
+              <a:rPr lang="es-ES" altLang="es-MX" sz="1600" b="1" dirty="0">
                 <a:solidFill>
                   <a:schemeClr val="accent6">
                     <a:lumMod val="75000"/>
@@ -5515,7 +5493,7 @@
               <a:t> y el atributo de instancia de la clase </a:t>
             </a:r>
             <a:r>
-              <a:rPr lang="es-ES" sz="1600" b="1" dirty="0" err="1">
+              <a:rPr lang="es-ES" sz="1600" b="1" dirty="0">
                 <a:solidFill>
                   <a:srgbClr val="000000"/>
                 </a:solidFill>
@@ -5533,22 +5511,13 @@
               <a:t>: </a:t>
             </a:r>
             <a:r>
-              <a:rPr lang="es-ES" sz="1600" b="1" dirty="0" err="1">
+              <a:rPr lang="es-ES" sz="1600" b="1" dirty="0">
                 <a:solidFill>
                   <a:srgbClr val="0000FF"/>
                 </a:solidFill>
                 <a:effectLst/>
               </a:rPr>
-              <a:t>esta_volando</a:t>
-            </a:r>
-            <a:r>
-              <a:rPr lang="es-ES" sz="1600" b="1" dirty="0">
-                <a:solidFill>
-                  <a:srgbClr val="0000FF"/>
-                </a:solidFill>
-                <a:effectLst/>
-              </a:rPr>
-              <a:t> = False</a:t>
+              <a:t>esta_volando = False</a:t>
             </a:r>
             <a:r>
               <a:rPr lang="es-ES" sz="1600" dirty="0">
@@ -5598,20 +5567,12 @@
               <a:t> que modifique el atributo </a:t>
             </a:r>
             <a:r>
-              <a:rPr lang="es-ES" altLang="es-MX" sz="1600" b="1" dirty="0" err="1">
+              <a:rPr lang="es-ES" altLang="es-MX" sz="1600" b="1" dirty="0">
                 <a:solidFill>
                   <a:srgbClr val="0000FF"/>
                 </a:solidFill>
               </a:rPr>
-              <a:t>esta_volando</a:t>
-            </a:r>
-            <a:r>
-              <a:rPr lang="es-ES" altLang="es-MX" sz="1600" b="1" dirty="0">
-                <a:solidFill>
-                  <a:srgbClr val="0000FF"/>
-                </a:solidFill>
-              </a:rPr>
-              <a:t> </a:t>
+              <a:t>esta_volando </a:t>
             </a:r>
             <a:r>
               <a:rPr lang="es-ES" altLang="es-MX" sz="1600" dirty="0">
@@ -5682,20 +5643,12 @@
               <a:t> que modifique el atributo </a:t>
             </a:r>
             <a:r>
-              <a:rPr lang="es-ES" altLang="es-MX" sz="1600" b="1" dirty="0" err="1">
+              <a:rPr lang="es-ES" altLang="es-MX" sz="1600" b="1" dirty="0">
                 <a:solidFill>
                   <a:srgbClr val="0000FF"/>
                 </a:solidFill>
               </a:rPr>
-              <a:t>esta_volando</a:t>
-            </a:r>
-            <a:r>
-              <a:rPr lang="es-ES" altLang="es-MX" sz="1600" b="1" dirty="0">
-                <a:solidFill>
-                  <a:srgbClr val="0000FF"/>
-                </a:solidFill>
-              </a:rPr>
-              <a:t> </a:t>
+              <a:t>esta_volando </a:t>
             </a:r>
             <a:r>
               <a:rPr lang="es-ES" altLang="es-MX" sz="1600" dirty="0">
@@ -5763,27 +5716,7 @@
                   </a:schemeClr>
                 </a:solidFill>
               </a:rPr>
-              <a:t> que regrese en un </a:t>
-            </a:r>
-            <a:r>
-              <a:rPr lang="es-ES" altLang="es-MX" sz="1600" dirty="0" err="1">
-                <a:solidFill>
-                  <a:schemeClr val="bg2">
-                    <a:lumMod val="10000"/>
-                  </a:schemeClr>
-                </a:solidFill>
-              </a:rPr>
-              <a:t>string</a:t>
-            </a:r>
-            <a:r>
-              <a:rPr lang="es-ES" altLang="es-MX" sz="1600" dirty="0">
-                <a:solidFill>
-                  <a:schemeClr val="bg2">
-                    <a:lumMod val="10000"/>
-                  </a:schemeClr>
-                </a:solidFill>
-              </a:rPr>
-              <a:t> la concatenación de los atributos de instancia y clase.</a:t>
+              <a:t> que regrese en un string la concatenación de los atributos de instancia y clase.</a:t>
             </a:r>
             <a:r>
               <a:rPr lang="es-ES_tradnl" altLang="es-MX" sz="1600" dirty="0">
@@ -6189,7 +6122,7 @@
             <a:lstStyle/>
             <a:p>
               <a:pPr algn="ctr"/>
-              <a:endParaRPr lang="es-MX"/>
+              <a:endParaRPr lang="es-MX" dirty="0"/>
             </a:p>
           </p:txBody>
         </p:sp>
@@ -6587,7 +6520,7 @@
             <a:lstStyle/>
             <a:p>
               <a:pPr algn="ctr"/>
-              <a:endParaRPr lang="es-MX"/>
+              <a:endParaRPr lang="es-MX" dirty="0"/>
             </a:p>
           </p:txBody>
         </p:sp>
@@ -7011,7 +6944,7 @@
             <a:lstStyle/>
             <a:p>
               <a:pPr algn="ctr"/>
-              <a:endParaRPr lang="es-MX"/>
+              <a:endParaRPr lang="es-MX" dirty="0"/>
             </a:p>
           </p:txBody>
         </p:sp>
@@ -7732,7 +7665,7 @@
             <a:lstStyle/>
             <a:p>
               <a:pPr algn="ctr"/>
-              <a:endParaRPr lang="es-MX"/>
+              <a:endParaRPr lang="es-MX" dirty="0"/>
             </a:p>
           </p:txBody>
         </p:sp>
@@ -8297,7 +8230,7 @@
             <a:lstStyle/>
             <a:p>
               <a:pPr algn="ctr"/>
-              <a:endParaRPr lang="es-MX"/>
+              <a:endParaRPr lang="es-MX" dirty="0"/>
             </a:p>
           </p:txBody>
         </p:sp>
@@ -8451,7 +8384,7 @@
                 <a:t>&gt;&gt;&gt; </a:t>
               </a:r>
               <a:r>
-                <a:rPr lang="es-MX" sz="1100" dirty="0" err="1">
+                <a:rPr lang="es-MX" sz="1100" dirty="0">
                   <a:solidFill>
                     <a:schemeClr val="accent5"/>
                   </a:solidFill>
@@ -11522,7 +11455,7 @@
             <a:lstStyle/>
             <a:p>
               <a:pPr algn="ctr"/>
-              <a:endParaRPr lang="es-MX"/>
+              <a:endParaRPr lang="es-MX" dirty="0"/>
             </a:p>
           </p:txBody>
         </p:sp>
@@ -13478,7 +13411,7 @@
               <a:t>El método </a:t>
             </a:r>
             <a:r>
-              <a:rPr lang="es-ES_tradnl" altLang="es-MX" sz="1400" b="1" dirty="0" err="1">
+              <a:rPr lang="es-ES_tradnl" altLang="es-MX" sz="1400" b="1" dirty="0">
                 <a:solidFill>
                   <a:schemeClr val="accent6">
                     <a:lumMod val="75000"/>
@@ -13486,18 +13419,7 @@
                 </a:solidFill>
                 <a:latin typeface="Dom Casual" charset="0"/>
               </a:rPr>
-              <a:t>mostrarRenovacionLicencia</a:t>
-            </a:r>
-            <a:r>
-              <a:rPr lang="es-ES_tradnl" altLang="es-MX" sz="1400" b="1" dirty="0">
-                <a:solidFill>
-                  <a:schemeClr val="accent6">
-                    <a:lumMod val="75000"/>
-                  </a:schemeClr>
-                </a:solidFill>
-                <a:latin typeface="Dom Casual" charset="0"/>
-              </a:rPr>
-              <a:t> </a:t>
+              <a:t>mostrarRenovacionLicencia </a:t>
             </a:r>
             <a:r>
               <a:rPr lang="es-ES_tradnl" altLang="es-MX" sz="1400" dirty="0">
